--- a/PPTS/VANET.pptx
+++ b/PPTS/VANET.pptx
@@ -109,6 +109,11 @@
       </a:defRPr>
     </a:lvl9pPr>
   </p:defaultTextStyle>
+  <p:extLst>
+    <p:ext uri="{EFAFB233-063F-42B5-8137-9DF3F51BA10A}">
+      <p15:sldGuideLst xmlns:p15="http://schemas.microsoft.com/office/powerpoint/2012/main"/>
+    </p:ext>
+  </p:extLst>
 </p:presentation>
 </file>
 
@@ -7597,18 +7602,21 @@
           <a:p>
             <a:r>
               <a:rPr lang="en-US" dirty="0"/>
-              <a:t>congestion of </a:t>
+              <a:t>increasing demand of vehicles for wireless applications</a:t>
+            </a:r>
+          </a:p>
+          <a:p>
+            <a:r>
+              <a:rPr lang="en-US" dirty="0"/>
+              <a:t>Message storm (congestion of </a:t>
             </a:r>
             <a:r>
               <a:rPr lang="en-US" dirty="0" err="1"/>
               <a:t>datas</a:t>
             </a:r>
-            <a:endParaRPr lang="en-US" dirty="0"/>
-          </a:p>
-          <a:p>
             <a:r>
               <a:rPr lang="en-US" dirty="0"/>
-              <a:t>increasing demand of vehicles for wireless applications</a:t>
+              <a:t>)</a:t>
             </a:r>
           </a:p>
           <a:p>
@@ -7623,10 +7631,9 @@
             <a:endParaRPr lang="en-US" dirty="0"/>
           </a:p>
           <a:p>
-            <a:r>
-              <a:rPr lang="en-US" dirty="0"/>
-              <a:t>Message storm</a:t>
-            </a:r>
+            <a:pPr marL="0" indent="0">
+              <a:buNone/>
+            </a:pPr>
             <a:endParaRPr lang="pt-BR" dirty="0"/>
           </a:p>
         </p:txBody>

--- a/PPTS/VANET.pptx
+++ b/PPTS/VANET.pptx
@@ -6,11 +6,14 @@
   </p:sldMasterIdLst>
   <p:sldIdLst>
     <p:sldId id="256" r:id="rId2"/>
-    <p:sldId id="258" r:id="rId3"/>
-    <p:sldId id="260" r:id="rId4"/>
-    <p:sldId id="263" r:id="rId5"/>
-    <p:sldId id="261" r:id="rId6"/>
-    <p:sldId id="262" r:id="rId7"/>
+    <p:sldId id="263" r:id="rId3"/>
+    <p:sldId id="261" r:id="rId4"/>
+    <p:sldId id="258" r:id="rId5"/>
+    <p:sldId id="260" r:id="rId6"/>
+    <p:sldId id="264" r:id="rId7"/>
+    <p:sldId id="262" r:id="rId8"/>
+    <p:sldId id="265" r:id="rId9"/>
+    <p:sldId id="266" r:id="rId10"/>
   </p:sldIdLst>
   <p:sldSz cx="12192000" cy="6858000"/>
   <p:notesSz cx="6858000" cy="9144000"/>
@@ -109,6 +112,11 @@
       </a:defRPr>
     </a:lvl9pPr>
   </p:defaultTextStyle>
+  <p:extLst>
+    <p:ext uri="{EFAFB233-063F-42B5-8137-9DF3F51BA10A}">
+      <p15:sldGuideLst xmlns:p15="http://schemas.microsoft.com/office/powerpoint/2012/main"/>
+    </p:ext>
+  </p:extLst>
 </p:presentation>
 </file>
 
@@ -283,7 +291,7 @@
           <a:p>
             <a:fld id="{E16D63D6-C02A-4A27-BFA8-87D76AD2251A}" type="datetimeFigureOut">
               <a:rPr lang="pt-BR" smtClean="0"/>
-              <a:t>12/09/2020</a:t>
+              <a:t>13/09/2020</a:t>
             </a:fld>
             <a:endParaRPr lang="pt-BR"/>
           </a:p>
@@ -595,7 +603,7 @@
           <a:p>
             <a:fld id="{E16D63D6-C02A-4A27-BFA8-87D76AD2251A}" type="datetimeFigureOut">
               <a:rPr lang="pt-BR" smtClean="0"/>
-              <a:t>12/09/2020</a:t>
+              <a:t>13/09/2020</a:t>
             </a:fld>
             <a:endParaRPr lang="pt-BR"/>
           </a:p>
@@ -817,7 +825,7 @@
           <a:p>
             <a:fld id="{E16D63D6-C02A-4A27-BFA8-87D76AD2251A}" type="datetimeFigureOut">
               <a:rPr lang="pt-BR" smtClean="0"/>
-              <a:t>12/09/2020</a:t>
+              <a:t>13/09/2020</a:t>
             </a:fld>
             <a:endParaRPr lang="pt-BR"/>
           </a:p>
@@ -1108,7 +1116,7 @@
           <a:p>
             <a:fld id="{E16D63D6-C02A-4A27-BFA8-87D76AD2251A}" type="datetimeFigureOut">
               <a:rPr lang="pt-BR" smtClean="0"/>
-              <a:t>12/09/2020</a:t>
+              <a:t>13/09/2020</a:t>
             </a:fld>
             <a:endParaRPr lang="pt-BR"/>
           </a:p>
@@ -1562,7 +1570,7 @@
           <a:p>
             <a:fld id="{E16D63D6-C02A-4A27-BFA8-87D76AD2251A}" type="datetimeFigureOut">
               <a:rPr lang="pt-BR" smtClean="0"/>
-              <a:t>12/09/2020</a:t>
+              <a:t>13/09/2020</a:t>
             </a:fld>
             <a:endParaRPr lang="pt-BR"/>
           </a:p>
@@ -2138,7 +2146,7 @@
           <a:p>
             <a:fld id="{E16D63D6-C02A-4A27-BFA8-87D76AD2251A}" type="datetimeFigureOut">
               <a:rPr lang="pt-BR" smtClean="0"/>
-              <a:t>12/09/2020</a:t>
+              <a:t>13/09/2020</a:t>
             </a:fld>
             <a:endParaRPr lang="pt-BR"/>
           </a:p>
@@ -2990,7 +2998,7 @@
           <a:p>
             <a:fld id="{E16D63D6-C02A-4A27-BFA8-87D76AD2251A}" type="datetimeFigureOut">
               <a:rPr lang="pt-BR" smtClean="0"/>
-              <a:t>12/09/2020</a:t>
+              <a:t>13/09/2020</a:t>
             </a:fld>
             <a:endParaRPr lang="pt-BR"/>
           </a:p>
@@ -3195,7 +3203,7 @@
           <a:p>
             <a:fld id="{E16D63D6-C02A-4A27-BFA8-87D76AD2251A}" type="datetimeFigureOut">
               <a:rPr lang="pt-BR" smtClean="0"/>
-              <a:t>12/09/2020</a:t>
+              <a:t>13/09/2020</a:t>
             </a:fld>
             <a:endParaRPr lang="pt-BR"/>
           </a:p>
@@ -3409,7 +3417,7 @@
           <a:p>
             <a:fld id="{E16D63D6-C02A-4A27-BFA8-87D76AD2251A}" type="datetimeFigureOut">
               <a:rPr lang="pt-BR" smtClean="0"/>
-              <a:t>12/09/2020</a:t>
+              <a:t>13/09/2020</a:t>
             </a:fld>
             <a:endParaRPr lang="pt-BR"/>
           </a:p>
@@ -3583,7 +3591,7 @@
           <a:p>
             <a:fld id="{E16D63D6-C02A-4A27-BFA8-87D76AD2251A}" type="datetimeFigureOut">
               <a:rPr lang="pt-BR" smtClean="0"/>
-              <a:t>12/09/2020</a:t>
+              <a:t>13/09/2020</a:t>
             </a:fld>
             <a:endParaRPr lang="pt-BR"/>
           </a:p>
@@ -3788,7 +3796,7 @@
           <a:p>
             <a:fld id="{E16D63D6-C02A-4A27-BFA8-87D76AD2251A}" type="datetimeFigureOut">
               <a:rPr lang="pt-BR" smtClean="0"/>
-              <a:t>12/09/2020</a:t>
+              <a:t>13/09/2020</a:t>
             </a:fld>
             <a:endParaRPr lang="pt-BR"/>
           </a:p>
@@ -4068,7 +4076,7 @@
           <a:p>
             <a:fld id="{E16D63D6-C02A-4A27-BFA8-87D76AD2251A}" type="datetimeFigureOut">
               <a:rPr lang="pt-BR" smtClean="0"/>
-              <a:t>12/09/2020</a:t>
+              <a:t>13/09/2020</a:t>
             </a:fld>
             <a:endParaRPr lang="pt-BR"/>
           </a:p>
@@ -4335,7 +4343,7 @@
           <a:p>
             <a:fld id="{E16D63D6-C02A-4A27-BFA8-87D76AD2251A}" type="datetimeFigureOut">
               <a:rPr lang="pt-BR" smtClean="0"/>
-              <a:t>12/09/2020</a:t>
+              <a:t>13/09/2020</a:t>
             </a:fld>
             <a:endParaRPr lang="pt-BR"/>
           </a:p>
@@ -4750,7 +4758,7 @@
           <a:p>
             <a:fld id="{E16D63D6-C02A-4A27-BFA8-87D76AD2251A}" type="datetimeFigureOut">
               <a:rPr lang="pt-BR" smtClean="0"/>
-              <a:t>12/09/2020</a:t>
+              <a:t>13/09/2020</a:t>
             </a:fld>
             <a:endParaRPr lang="pt-BR"/>
           </a:p>
@@ -4898,7 +4906,7 @@
           <a:p>
             <a:fld id="{E16D63D6-C02A-4A27-BFA8-87D76AD2251A}" type="datetimeFigureOut">
               <a:rPr lang="pt-BR" smtClean="0"/>
-              <a:t>12/09/2020</a:t>
+              <a:t>13/09/2020</a:t>
             </a:fld>
             <a:endParaRPr lang="pt-BR"/>
           </a:p>
@@ -5023,7 +5031,7 @@
           <a:p>
             <a:fld id="{E16D63D6-C02A-4A27-BFA8-87D76AD2251A}" type="datetimeFigureOut">
               <a:rPr lang="pt-BR" smtClean="0"/>
-              <a:t>12/09/2020</a:t>
+              <a:t>13/09/2020</a:t>
             </a:fld>
             <a:endParaRPr lang="pt-BR"/>
           </a:p>
@@ -5302,7 +5310,7 @@
           <a:p>
             <a:fld id="{E16D63D6-C02A-4A27-BFA8-87D76AD2251A}" type="datetimeFigureOut">
               <a:rPr lang="pt-BR" smtClean="0"/>
-              <a:t>12/09/2020</a:t>
+              <a:t>13/09/2020</a:t>
             </a:fld>
             <a:endParaRPr lang="pt-BR"/>
           </a:p>
@@ -5614,7 +5622,7 @@
           <a:p>
             <a:fld id="{E16D63D6-C02A-4A27-BFA8-87D76AD2251A}" type="datetimeFigureOut">
               <a:rPr lang="pt-BR" smtClean="0"/>
-              <a:t>12/09/2020</a:t>
+              <a:t>13/09/2020</a:t>
             </a:fld>
             <a:endParaRPr lang="pt-BR"/>
           </a:p>
@@ -5867,7 +5875,7 @@
           <a:p>
             <a:fld id="{E16D63D6-C02A-4A27-BFA8-87D76AD2251A}" type="datetimeFigureOut">
               <a:rPr lang="pt-BR" smtClean="0"/>
-              <a:t>12/09/2020</a:t>
+              <a:t>13/09/2020</a:t>
             </a:fld>
             <a:endParaRPr lang="pt-BR"/>
           </a:p>
@@ -6419,6 +6427,521 @@
           <a:lstStyle/>
           <a:p>
             <a:r>
+              <a:rPr lang="pt-BR" dirty="0" err="1"/>
+              <a:t>IoV</a:t>
+            </a:r>
+            <a:r>
+              <a:rPr lang="pt-BR" dirty="0"/>
+              <a:t> (Internet </a:t>
+            </a:r>
+            <a:r>
+              <a:rPr lang="pt-BR" dirty="0" err="1"/>
+              <a:t>of</a:t>
+            </a:r>
+            <a:r>
+              <a:rPr lang="pt-BR" dirty="0"/>
+              <a:t> </a:t>
+            </a:r>
+            <a:r>
+              <a:rPr lang="pt-BR" dirty="0" err="1"/>
+              <a:t>Vehicles</a:t>
+            </a:r>
+            <a:r>
+              <a:rPr lang="pt-BR" dirty="0"/>
+              <a:t>)</a:t>
+            </a:r>
+          </a:p>
+        </p:txBody>
+      </p:sp>
+      <p:sp>
+        <p:nvSpPr>
+          <p:cNvPr id="3" name="Espaço Reservado para Conteúdo 2">
+            <a:extLst>
+              <a:ext uri="{FF2B5EF4-FFF2-40B4-BE49-F238E27FC236}">
+                <a16:creationId xmlns:a16="http://schemas.microsoft.com/office/drawing/2014/main" id="{F0CCC276-58C3-47C2-B98A-220879AADC00}"/>
+              </a:ext>
+            </a:extLst>
+          </p:cNvPr>
+          <p:cNvSpPr>
+            <a:spLocks noGrp="1"/>
+          </p:cNvSpPr>
+          <p:nvPr>
+            <p:ph idx="1"/>
+          </p:nvPr>
+        </p:nvSpPr>
+        <p:spPr>
+          <a:xfrm>
+            <a:off x="152400" y="1143000"/>
+            <a:ext cx="11861800" cy="5565775"/>
+          </a:xfrm>
+        </p:spPr>
+        <p:txBody>
+          <a:bodyPr/>
+          <a:lstStyle/>
+          <a:p>
+            <a:r>
+              <a:rPr lang="pt-BR" dirty="0" err="1"/>
+              <a:t>Intelligent</a:t>
+            </a:r>
+            <a:r>
+              <a:rPr lang="pt-BR" dirty="0"/>
+              <a:t> </a:t>
+            </a:r>
+            <a:r>
+              <a:rPr lang="pt-BR" dirty="0" err="1"/>
+              <a:t>transportation</a:t>
+            </a:r>
+            <a:r>
+              <a:rPr lang="pt-BR" dirty="0"/>
+              <a:t> systems (ITS)</a:t>
+            </a:r>
+          </a:p>
+          <a:p>
+            <a:r>
+              <a:rPr lang="pt-BR" dirty="0"/>
+              <a:t>Active communication </a:t>
+            </a:r>
+          </a:p>
+          <a:p>
+            <a:r>
+              <a:rPr lang="pt-BR" dirty="0"/>
+              <a:t>Mobile communication </a:t>
+            </a:r>
+            <a:r>
+              <a:rPr lang="en-US" dirty="0"/>
+              <a:t>between vehicles and other networks</a:t>
+            </a:r>
+          </a:p>
+          <a:p>
+            <a:endParaRPr lang="en-US" dirty="0"/>
+          </a:p>
+          <a:p>
+            <a:endParaRPr lang="pt-BR" dirty="0"/>
+          </a:p>
+        </p:txBody>
+      </p:sp>
+      <p:pic>
+        <p:nvPicPr>
+          <p:cNvPr id="7" name="Imagem 6">
+            <a:extLst>
+              <a:ext uri="{FF2B5EF4-FFF2-40B4-BE49-F238E27FC236}">
+                <a16:creationId xmlns:a16="http://schemas.microsoft.com/office/drawing/2014/main" id="{E31BCFA8-6641-4AF5-BC5E-0293AE2FAFBF}"/>
+              </a:ext>
+            </a:extLst>
+          </p:cNvPr>
+          <p:cNvPicPr>
+            <a:picLocks noChangeAspect="1"/>
+          </p:cNvPicPr>
+          <p:nvPr/>
+        </p:nvPicPr>
+        <p:blipFill>
+          <a:blip r:embed="rId2">
+            <a:extLst>
+              <a:ext uri="{28A0092B-C50C-407E-A947-70E740481C1C}">
+                <a14:useLocalDpi xmlns:a14="http://schemas.microsoft.com/office/drawing/2010/main" val="0"/>
+              </a:ext>
+            </a:extLst>
+          </a:blip>
+          <a:stretch>
+            <a:fillRect/>
+          </a:stretch>
+        </p:blipFill>
+        <p:spPr>
+          <a:xfrm>
+            <a:off x="9242425" y="149225"/>
+            <a:ext cx="2771775" cy="1000125"/>
+          </a:xfrm>
+          <a:prstGeom prst="rect">
+            <a:avLst/>
+          </a:prstGeom>
+        </p:spPr>
+      </p:pic>
+      <p:sp>
+        <p:nvSpPr>
+          <p:cNvPr id="8" name="CaixaDeTexto 7">
+            <a:extLst>
+              <a:ext uri="{FF2B5EF4-FFF2-40B4-BE49-F238E27FC236}">
+                <a16:creationId xmlns:a16="http://schemas.microsoft.com/office/drawing/2014/main" id="{096A67F7-0414-4281-A519-A5459EFE7DD8}"/>
+              </a:ext>
+            </a:extLst>
+          </p:cNvPr>
+          <p:cNvSpPr txBox="1"/>
+          <p:nvPr/>
+        </p:nvSpPr>
+        <p:spPr>
+          <a:xfrm>
+            <a:off x="3140927" y="6524109"/>
+            <a:ext cx="4538546" cy="369332"/>
+          </a:xfrm>
+          <a:prstGeom prst="rect">
+            <a:avLst/>
+          </a:prstGeom>
+          <a:noFill/>
+        </p:spPr>
+        <p:txBody>
+          <a:bodyPr wrap="square" rtlCol="0">
+            <a:spAutoFit/>
+          </a:bodyPr>
+          <a:lstStyle/>
+          <a:p>
+            <a:pPr algn="ctr"/>
+            <a:r>
+              <a:rPr lang="pt-BR" dirty="0"/>
+              <a:t>SCCS – Professor Weslley Torres</a:t>
+            </a:r>
+          </a:p>
+        </p:txBody>
+      </p:sp>
+    </p:spTree>
+    <p:extLst>
+      <p:ext uri="{BB962C8B-B14F-4D97-AF65-F5344CB8AC3E}">
+        <p14:creationId xmlns:p14="http://schemas.microsoft.com/office/powerpoint/2010/main" val="2346159204"/>
+      </p:ext>
+    </p:extLst>
+  </p:cSld>
+  <p:clrMapOvr>
+    <a:masterClrMapping/>
+  </p:clrMapOvr>
+</p:sld>
+</file>
+
+<file path=ppt/slides/slide3.xml><?xml version="1.0" encoding="utf-8"?>
+<p:sld xmlns:a="http://schemas.openxmlformats.org/drawingml/2006/main" xmlns:r="http://schemas.openxmlformats.org/officeDocument/2006/relationships" xmlns:p="http://schemas.openxmlformats.org/presentationml/2006/main">
+  <p:cSld>
+    <p:spTree>
+      <p:nvGrpSpPr>
+        <p:cNvPr id="1" name=""/>
+        <p:cNvGrpSpPr/>
+        <p:nvPr/>
+      </p:nvGrpSpPr>
+      <p:grpSpPr>
+        <a:xfrm>
+          <a:off x="0" y="0"/>
+          <a:ext cx="0" cy="0"/>
+          <a:chOff x="0" y="0"/>
+          <a:chExt cx="0" cy="0"/>
+        </a:xfrm>
+      </p:grpSpPr>
+      <p:sp>
+        <p:nvSpPr>
+          <p:cNvPr id="2" name="Título 1">
+            <a:extLst>
+              <a:ext uri="{FF2B5EF4-FFF2-40B4-BE49-F238E27FC236}">
+                <a16:creationId xmlns:a16="http://schemas.microsoft.com/office/drawing/2014/main" id="{5A26C166-0D36-40BA-83E5-D7B77FC480CD}"/>
+              </a:ext>
+            </a:extLst>
+          </p:cNvPr>
+          <p:cNvSpPr>
+            <a:spLocks noGrp="1"/>
+          </p:cNvSpPr>
+          <p:nvPr>
+            <p:ph type="title"/>
+          </p:nvPr>
+        </p:nvSpPr>
+        <p:spPr>
+          <a:xfrm>
+            <a:off x="152400" y="149225"/>
+            <a:ext cx="10515600" cy="752475"/>
+          </a:xfrm>
+        </p:spPr>
+        <p:txBody>
+          <a:bodyPr/>
+          <a:lstStyle/>
+          <a:p>
+            <a:r>
+              <a:rPr lang="pt-BR" dirty="0" err="1"/>
+              <a:t>IoV</a:t>
+            </a:r>
+            <a:r>
+              <a:rPr lang="pt-BR" dirty="0"/>
+              <a:t> (Internet </a:t>
+            </a:r>
+            <a:r>
+              <a:rPr lang="pt-BR" dirty="0" err="1"/>
+              <a:t>of</a:t>
+            </a:r>
+            <a:r>
+              <a:rPr lang="pt-BR" dirty="0"/>
+              <a:t> </a:t>
+            </a:r>
+            <a:r>
+              <a:rPr lang="pt-BR" dirty="0" err="1"/>
+              <a:t>Vehicles</a:t>
+            </a:r>
+            <a:r>
+              <a:rPr lang="pt-BR" dirty="0"/>
+              <a:t>)</a:t>
+            </a:r>
+          </a:p>
+        </p:txBody>
+      </p:sp>
+      <p:sp>
+        <p:nvSpPr>
+          <p:cNvPr id="3" name="Espaço Reservado para Conteúdo 2">
+            <a:extLst>
+              <a:ext uri="{FF2B5EF4-FFF2-40B4-BE49-F238E27FC236}">
+                <a16:creationId xmlns:a16="http://schemas.microsoft.com/office/drawing/2014/main" id="{F0CCC276-58C3-47C2-B98A-220879AADC00}"/>
+              </a:ext>
+            </a:extLst>
+          </p:cNvPr>
+          <p:cNvSpPr>
+            <a:spLocks noGrp="1"/>
+          </p:cNvSpPr>
+          <p:nvPr>
+            <p:ph idx="1"/>
+          </p:nvPr>
+        </p:nvSpPr>
+        <p:spPr>
+          <a:xfrm>
+            <a:off x="152400" y="1143000"/>
+            <a:ext cx="11861800" cy="5565775"/>
+          </a:xfrm>
+        </p:spPr>
+        <p:txBody>
+          <a:bodyPr>
+            <a:normAutofit lnSpcReduction="10000"/>
+          </a:bodyPr>
+          <a:lstStyle/>
+          <a:p>
+            <a:r>
+              <a:rPr lang="pt-BR" sz="3000" dirty="0" err="1"/>
+              <a:t>Applications</a:t>
+            </a:r>
+            <a:r>
+              <a:rPr lang="pt-BR" sz="3000" dirty="0"/>
+              <a:t>:</a:t>
+            </a:r>
+          </a:p>
+          <a:p>
+            <a:pPr marL="0" indent="0">
+              <a:buNone/>
+            </a:pPr>
+            <a:r>
+              <a:rPr lang="pt-BR" dirty="0"/>
+              <a:t>- S</a:t>
+            </a:r>
+            <a:r>
+              <a:rPr lang="en-US" dirty="0"/>
+              <a:t>mart traffic management</a:t>
+            </a:r>
+          </a:p>
+          <a:p>
+            <a:pPr marL="0" indent="0">
+              <a:buNone/>
+            </a:pPr>
+            <a:r>
+              <a:rPr lang="en-US" dirty="0"/>
+              <a:t>- Mobile crowd sensing</a:t>
+            </a:r>
+          </a:p>
+          <a:p>
+            <a:pPr marL="0" indent="0">
+              <a:buNone/>
+            </a:pPr>
+            <a:r>
+              <a:rPr lang="en-US" dirty="0"/>
+              <a:t>- Accident reporting</a:t>
+            </a:r>
+          </a:p>
+          <a:p>
+            <a:pPr marL="0" indent="0">
+              <a:buNone/>
+            </a:pPr>
+            <a:r>
+              <a:rPr lang="en-US" dirty="0"/>
+              <a:t>- Weather alerts</a:t>
+            </a:r>
+          </a:p>
+          <a:p>
+            <a:pPr marL="0" indent="0">
+              <a:buNone/>
+            </a:pPr>
+            <a:r>
+              <a:rPr lang="en-US" dirty="0"/>
+              <a:t>- Monitoring</a:t>
+            </a:r>
+          </a:p>
+          <a:p>
+            <a:pPr marL="0" indent="0">
+              <a:buNone/>
+            </a:pPr>
+            <a:r>
+              <a:rPr lang="en-US" dirty="0"/>
+              <a:t>- Parking alerts</a:t>
+            </a:r>
+          </a:p>
+          <a:p>
+            <a:pPr marL="0" indent="0">
+              <a:buNone/>
+            </a:pPr>
+            <a:r>
+              <a:rPr lang="en-US" dirty="0"/>
+              <a:t>- Audio/video streaming in vehicles</a:t>
+            </a:r>
+          </a:p>
+          <a:p>
+            <a:pPr marL="0" indent="0">
+              <a:buNone/>
+            </a:pPr>
+            <a:r>
+              <a:rPr lang="en-US" dirty="0"/>
+              <a:t>- Points of interest (Marts, Fuel Station, Restaurants)</a:t>
+            </a:r>
+          </a:p>
+          <a:p>
+            <a:pPr>
+              <a:buFontTx/>
+              <a:buChar char="-"/>
+            </a:pPr>
+            <a:r>
+              <a:rPr lang="en-US" dirty="0"/>
+              <a:t>E-Health</a:t>
+            </a:r>
+          </a:p>
+          <a:p>
+            <a:pPr>
+              <a:buFontTx/>
+              <a:buChar char="-"/>
+            </a:pPr>
+            <a:r>
+              <a:rPr lang="en-US" dirty="0"/>
+              <a:t>emergency messages (EMs)</a:t>
+            </a:r>
+          </a:p>
+          <a:p>
+            <a:endParaRPr lang="pt-BR" dirty="0"/>
+          </a:p>
+        </p:txBody>
+      </p:sp>
+      <p:pic>
+        <p:nvPicPr>
+          <p:cNvPr id="7" name="Imagem 6">
+            <a:extLst>
+              <a:ext uri="{FF2B5EF4-FFF2-40B4-BE49-F238E27FC236}">
+                <a16:creationId xmlns:a16="http://schemas.microsoft.com/office/drawing/2014/main" id="{E31BCFA8-6641-4AF5-BC5E-0293AE2FAFBF}"/>
+              </a:ext>
+            </a:extLst>
+          </p:cNvPr>
+          <p:cNvPicPr>
+            <a:picLocks noChangeAspect="1"/>
+          </p:cNvPicPr>
+          <p:nvPr/>
+        </p:nvPicPr>
+        <p:blipFill>
+          <a:blip r:embed="rId2">
+            <a:extLst>
+              <a:ext uri="{28A0092B-C50C-407E-A947-70E740481C1C}">
+                <a14:useLocalDpi xmlns:a14="http://schemas.microsoft.com/office/drawing/2010/main" val="0"/>
+              </a:ext>
+            </a:extLst>
+          </a:blip>
+          <a:stretch>
+            <a:fillRect/>
+          </a:stretch>
+        </p:blipFill>
+        <p:spPr>
+          <a:xfrm>
+            <a:off x="9242425" y="149225"/>
+            <a:ext cx="2771775" cy="1000125"/>
+          </a:xfrm>
+          <a:prstGeom prst="rect">
+            <a:avLst/>
+          </a:prstGeom>
+        </p:spPr>
+      </p:pic>
+      <p:sp>
+        <p:nvSpPr>
+          <p:cNvPr id="8" name="CaixaDeTexto 7">
+            <a:extLst>
+              <a:ext uri="{FF2B5EF4-FFF2-40B4-BE49-F238E27FC236}">
+                <a16:creationId xmlns:a16="http://schemas.microsoft.com/office/drawing/2014/main" id="{096A67F7-0414-4281-A519-A5459EFE7DD8}"/>
+              </a:ext>
+            </a:extLst>
+          </p:cNvPr>
+          <p:cNvSpPr txBox="1"/>
+          <p:nvPr/>
+        </p:nvSpPr>
+        <p:spPr>
+          <a:xfrm>
+            <a:off x="3140927" y="6524109"/>
+            <a:ext cx="4538546" cy="369332"/>
+          </a:xfrm>
+          <a:prstGeom prst="rect">
+            <a:avLst/>
+          </a:prstGeom>
+          <a:noFill/>
+        </p:spPr>
+        <p:txBody>
+          <a:bodyPr wrap="square" rtlCol="0">
+            <a:spAutoFit/>
+          </a:bodyPr>
+          <a:lstStyle/>
+          <a:p>
+            <a:pPr algn="ctr"/>
+            <a:r>
+              <a:rPr lang="pt-BR" dirty="0"/>
+              <a:t>SCCS – Professor Weslley Torres</a:t>
+            </a:r>
+          </a:p>
+        </p:txBody>
+      </p:sp>
+    </p:spTree>
+    <p:extLst>
+      <p:ext uri="{BB962C8B-B14F-4D97-AF65-F5344CB8AC3E}">
+        <p14:creationId xmlns:p14="http://schemas.microsoft.com/office/powerpoint/2010/main" val="2675619478"/>
+      </p:ext>
+    </p:extLst>
+  </p:cSld>
+  <p:clrMapOvr>
+    <a:masterClrMapping/>
+  </p:clrMapOvr>
+</p:sld>
+</file>
+
+<file path=ppt/slides/slide4.xml><?xml version="1.0" encoding="utf-8"?>
+<p:sld xmlns:a="http://schemas.openxmlformats.org/drawingml/2006/main" xmlns:r="http://schemas.openxmlformats.org/officeDocument/2006/relationships" xmlns:p="http://schemas.openxmlformats.org/presentationml/2006/main">
+  <p:cSld>
+    <p:spTree>
+      <p:nvGrpSpPr>
+        <p:cNvPr id="1" name=""/>
+        <p:cNvGrpSpPr/>
+        <p:nvPr/>
+      </p:nvGrpSpPr>
+      <p:grpSpPr>
+        <a:xfrm>
+          <a:off x="0" y="0"/>
+          <a:ext cx="0" cy="0"/>
+          <a:chOff x="0" y="0"/>
+          <a:chExt cx="0" cy="0"/>
+        </a:xfrm>
+      </p:grpSpPr>
+      <p:sp>
+        <p:nvSpPr>
+          <p:cNvPr id="2" name="Título 1">
+            <a:extLst>
+              <a:ext uri="{FF2B5EF4-FFF2-40B4-BE49-F238E27FC236}">
+                <a16:creationId xmlns:a16="http://schemas.microsoft.com/office/drawing/2014/main" id="{5A26C166-0D36-40BA-83E5-D7B77FC480CD}"/>
+              </a:ext>
+            </a:extLst>
+          </p:cNvPr>
+          <p:cNvSpPr>
+            <a:spLocks noGrp="1"/>
+          </p:cNvSpPr>
+          <p:nvPr>
+            <p:ph type="title"/>
+          </p:nvPr>
+        </p:nvSpPr>
+        <p:spPr>
+          <a:xfrm>
+            <a:off x="152400" y="149225"/>
+            <a:ext cx="10515600" cy="752475"/>
+          </a:xfrm>
+        </p:spPr>
+        <p:txBody>
+          <a:bodyPr/>
+          <a:lstStyle/>
+          <a:p>
+            <a:r>
               <a:rPr lang="pt-BR" b="0" i="0" dirty="0" err="1">
                 <a:solidFill>
                   <a:srgbClr val="333333"/>
@@ -6634,7 +7157,7 @@
 </p:sld>
 </file>
 
-<file path=ppt/slides/slide3.xml><?xml version="1.0" encoding="utf-8"?>
+<file path=ppt/slides/slide5.xml><?xml version="1.0" encoding="utf-8"?>
 <p:sld xmlns:a="http://schemas.openxmlformats.org/drawingml/2006/main" xmlns:r="http://schemas.openxmlformats.org/officeDocument/2006/relationships" xmlns:p="http://schemas.openxmlformats.org/presentationml/2006/main">
   <p:cSld>
     <p:spTree>
@@ -6722,7 +7245,7 @@
         </p:spPr>
         <p:txBody>
           <a:bodyPr>
-            <a:normAutofit fontScale="92500" lnSpcReduction="10000"/>
+            <a:normAutofit/>
           </a:bodyPr>
           <a:lstStyle/>
           <a:p>
@@ -6881,12 +7404,13 @@
             <a:endParaRPr lang="pt-BR" dirty="0"/>
           </a:p>
           <a:p>
-            <a:pPr marL="0" indent="0">
-              <a:buNone/>
+            <a:pPr>
+              <a:buFontTx/>
+              <a:buChar char="-"/>
             </a:pPr>
             <a:r>
               <a:rPr lang="pt-BR" dirty="0"/>
-              <a:t>- High </a:t>
+              <a:t>High </a:t>
             </a:r>
             <a:r>
               <a:rPr lang="pt-BR" dirty="0" err="1"/>
@@ -6895,21 +7419,13 @@
             <a:endParaRPr lang="pt-BR" dirty="0"/>
           </a:p>
           <a:p>
-            <a:pPr marL="0" indent="0">
-              <a:buNone/>
+            <a:pPr>
+              <a:buFontTx/>
+              <a:buChar char="-"/>
             </a:pPr>
             <a:r>
               <a:rPr lang="pt-BR" dirty="0"/>
-              <a:t>- </a:t>
-            </a:r>
-          </a:p>
-          <a:p>
-            <a:pPr marL="0" indent="0">
-              <a:buNone/>
-            </a:pPr>
-            <a:r>
-              <a:rPr lang="pt-BR" dirty="0"/>
-              <a:t>-</a:t>
+              <a:t>Remote server</a:t>
             </a:r>
           </a:p>
           <a:p>
@@ -7014,7 +7530,7 @@
 </p:sld>
 </file>
 
-<file path=ppt/slides/slide4.xml><?xml version="1.0" encoding="utf-8"?>
+<file path=ppt/slides/slide6.xml><?xml version="1.0" encoding="utf-8"?>
 <p:sld xmlns:a="http://schemas.openxmlformats.org/drawingml/2006/main" xmlns:r="http://schemas.openxmlformats.org/officeDocument/2006/relationships" xmlns:p="http://schemas.openxmlformats.org/presentationml/2006/main">
   <p:cSld>
     <p:spTree>
@@ -7059,28 +7575,9 @@
           <a:p>
             <a:r>
               <a:rPr lang="pt-BR" dirty="0" err="1"/>
-              <a:t>IoV</a:t>
-            </a:r>
-            <a:r>
-              <a:rPr lang="pt-BR" dirty="0"/>
-              <a:t> (Internet </a:t>
-            </a:r>
-            <a:r>
-              <a:rPr lang="pt-BR" dirty="0" err="1"/>
-              <a:t>of</a:t>
-            </a:r>
-            <a:r>
-              <a:rPr lang="pt-BR" dirty="0"/>
-              <a:t> </a:t>
-            </a:r>
-            <a:r>
-              <a:rPr lang="pt-BR" dirty="0" err="1"/>
-              <a:t>Vehicles</a:t>
-            </a:r>
-            <a:r>
-              <a:rPr lang="pt-BR" dirty="0"/>
-              <a:t>)</a:t>
-            </a:r>
+              <a:t>Explanation</a:t>
+            </a:r>
+            <a:endParaRPr lang="pt-BR" dirty="0"/>
           </a:p>
         </p:txBody>
       </p:sp>
@@ -7111,42 +7608,287 @@
           <a:lstStyle/>
           <a:p>
             <a:r>
+              <a:rPr lang="en-US" dirty="0"/>
+              <a:t>beaconing messages</a:t>
+            </a:r>
+          </a:p>
+          <a:p>
+            <a:r>
+              <a:rPr lang="en-US" b="0" i="0" u="none" strike="noStrike" dirty="0">
+                <a:effectLst/>
+                <a:latin typeface="+mj-lt"/>
+              </a:rPr>
+              <a:t>Multi-hop Wireless Ad Hoc Networking</a:t>
+            </a:r>
+          </a:p>
+          <a:p>
+            <a:endParaRPr lang="en-US" b="0" i="0" u="none" strike="noStrike" dirty="0">
+              <a:effectLst/>
+              <a:latin typeface="+mj-lt"/>
+            </a:endParaRPr>
+          </a:p>
+          <a:p>
+            <a:endParaRPr lang="en-US" b="0" i="0" u="none" strike="noStrike" dirty="0">
+              <a:effectLst/>
+              <a:latin typeface="arial" panose="020B0604020202020204" pitchFamily="34" charset="0"/>
+              <a:hlinkClick r:id="rId2">
+                <a:extLst>
+                  <a:ext uri="{A12FA001-AC4F-418D-AE19-62706E023703}">
+                    <ahyp:hlinkClr xmlns:ahyp="http://schemas.microsoft.com/office/drawing/2018/hyperlinkcolor" val="tx"/>
+                  </a:ext>
+                </a:extLst>
+              </a:hlinkClick>
+            </a:endParaRPr>
+          </a:p>
+          <a:p>
+            <a:endParaRPr lang="en-US" dirty="0"/>
+          </a:p>
+        </p:txBody>
+      </p:sp>
+      <p:pic>
+        <p:nvPicPr>
+          <p:cNvPr id="7" name="Imagem 6">
+            <a:extLst>
+              <a:ext uri="{FF2B5EF4-FFF2-40B4-BE49-F238E27FC236}">
+                <a16:creationId xmlns:a16="http://schemas.microsoft.com/office/drawing/2014/main" id="{E31BCFA8-6641-4AF5-BC5E-0293AE2FAFBF}"/>
+              </a:ext>
+            </a:extLst>
+          </p:cNvPr>
+          <p:cNvPicPr>
+            <a:picLocks noChangeAspect="1"/>
+          </p:cNvPicPr>
+          <p:nvPr/>
+        </p:nvPicPr>
+        <p:blipFill>
+          <a:blip r:embed="rId3">
+            <a:extLst>
+              <a:ext uri="{28A0092B-C50C-407E-A947-70E740481C1C}">
+                <a14:useLocalDpi xmlns:a14="http://schemas.microsoft.com/office/drawing/2010/main" val="0"/>
+              </a:ext>
+            </a:extLst>
+          </a:blip>
+          <a:stretch>
+            <a:fillRect/>
+          </a:stretch>
+        </p:blipFill>
+        <p:spPr>
+          <a:xfrm>
+            <a:off x="9242425" y="149225"/>
+            <a:ext cx="2771775" cy="1000125"/>
+          </a:xfrm>
+          <a:prstGeom prst="rect">
+            <a:avLst/>
+          </a:prstGeom>
+        </p:spPr>
+      </p:pic>
+      <p:sp>
+        <p:nvSpPr>
+          <p:cNvPr id="8" name="CaixaDeTexto 7">
+            <a:extLst>
+              <a:ext uri="{FF2B5EF4-FFF2-40B4-BE49-F238E27FC236}">
+                <a16:creationId xmlns:a16="http://schemas.microsoft.com/office/drawing/2014/main" id="{096A67F7-0414-4281-A519-A5459EFE7DD8}"/>
+              </a:ext>
+            </a:extLst>
+          </p:cNvPr>
+          <p:cNvSpPr txBox="1"/>
+          <p:nvPr/>
+        </p:nvSpPr>
+        <p:spPr>
+          <a:xfrm>
+            <a:off x="3140927" y="6524109"/>
+            <a:ext cx="4538546" cy="369332"/>
+          </a:xfrm>
+          <a:prstGeom prst="rect">
+            <a:avLst/>
+          </a:prstGeom>
+          <a:noFill/>
+        </p:spPr>
+        <p:txBody>
+          <a:bodyPr wrap="square" rtlCol="0">
+            <a:spAutoFit/>
+          </a:bodyPr>
+          <a:lstStyle/>
+          <a:p>
+            <a:pPr algn="ctr"/>
+            <a:r>
+              <a:rPr lang="pt-BR" dirty="0"/>
+              <a:t>SCCS – Professor Weslley Torres</a:t>
+            </a:r>
+          </a:p>
+        </p:txBody>
+      </p:sp>
+    </p:spTree>
+    <p:extLst>
+      <p:ext uri="{BB962C8B-B14F-4D97-AF65-F5344CB8AC3E}">
+        <p14:creationId xmlns:p14="http://schemas.microsoft.com/office/powerpoint/2010/main" val="180776151"/>
+      </p:ext>
+    </p:extLst>
+  </p:cSld>
+  <p:clrMapOvr>
+    <a:masterClrMapping/>
+  </p:clrMapOvr>
+</p:sld>
+</file>
+
+<file path=ppt/slides/slide7.xml><?xml version="1.0" encoding="utf-8"?>
+<p:sld xmlns:a="http://schemas.openxmlformats.org/drawingml/2006/main" xmlns:r="http://schemas.openxmlformats.org/officeDocument/2006/relationships" xmlns:p="http://schemas.openxmlformats.org/presentationml/2006/main">
+  <p:cSld>
+    <p:spTree>
+      <p:nvGrpSpPr>
+        <p:cNvPr id="1" name=""/>
+        <p:cNvGrpSpPr/>
+        <p:nvPr/>
+      </p:nvGrpSpPr>
+      <p:grpSpPr>
+        <a:xfrm>
+          <a:off x="0" y="0"/>
+          <a:ext cx="0" cy="0"/>
+          <a:chOff x="0" y="0"/>
+          <a:chExt cx="0" cy="0"/>
+        </a:xfrm>
+      </p:grpSpPr>
+      <p:sp>
+        <p:nvSpPr>
+          <p:cNvPr id="2" name="Título 1">
+            <a:extLst>
+              <a:ext uri="{FF2B5EF4-FFF2-40B4-BE49-F238E27FC236}">
+                <a16:creationId xmlns:a16="http://schemas.microsoft.com/office/drawing/2014/main" id="{5A26C166-0D36-40BA-83E5-D7B77FC480CD}"/>
+              </a:ext>
+            </a:extLst>
+          </p:cNvPr>
+          <p:cNvSpPr>
+            <a:spLocks noGrp="1"/>
+          </p:cNvSpPr>
+          <p:nvPr>
+            <p:ph type="title"/>
+          </p:nvPr>
+        </p:nvSpPr>
+        <p:spPr>
+          <a:xfrm>
+            <a:off x="152400" y="149225"/>
+            <a:ext cx="10515600" cy="752475"/>
+          </a:xfrm>
+        </p:spPr>
+        <p:txBody>
+          <a:bodyPr/>
+          <a:lstStyle/>
+          <a:p>
+            <a:r>
               <a:rPr lang="pt-BR" dirty="0" err="1"/>
-              <a:t>Intelligent</a:t>
+              <a:t>Motivation</a:t>
+            </a:r>
+            <a:endParaRPr lang="pt-BR" dirty="0"/>
+          </a:p>
+        </p:txBody>
+      </p:sp>
+      <p:sp>
+        <p:nvSpPr>
+          <p:cNvPr id="3" name="Espaço Reservado para Conteúdo 2">
+            <a:extLst>
+              <a:ext uri="{FF2B5EF4-FFF2-40B4-BE49-F238E27FC236}">
+                <a16:creationId xmlns:a16="http://schemas.microsoft.com/office/drawing/2014/main" id="{F0CCC276-58C3-47C2-B98A-220879AADC00}"/>
+              </a:ext>
+            </a:extLst>
+          </p:cNvPr>
+          <p:cNvSpPr>
+            <a:spLocks noGrp="1"/>
+          </p:cNvSpPr>
+          <p:nvPr>
+            <p:ph idx="1"/>
+          </p:nvPr>
+        </p:nvSpPr>
+        <p:spPr>
+          <a:xfrm>
+            <a:off x="152400" y="1143000"/>
+            <a:ext cx="11861800" cy="5565775"/>
+          </a:xfrm>
+        </p:spPr>
+        <p:txBody>
+          <a:bodyPr/>
+          <a:lstStyle/>
+          <a:p>
+            <a:r>
+              <a:rPr lang="en-US" dirty="0"/>
+              <a:t>increasing demand of vehicles for wireless applications</a:t>
+            </a:r>
+          </a:p>
+          <a:p>
+            <a:r>
+              <a:rPr lang="en-US" dirty="0"/>
+              <a:t>Message storm (congestion of </a:t>
+            </a:r>
+            <a:r>
+              <a:rPr lang="en-US" dirty="0" err="1"/>
+              <a:t>datas</a:t>
+            </a:r>
+            <a:r>
+              <a:rPr lang="en-US" dirty="0"/>
+              <a:t>)</a:t>
+            </a:r>
+          </a:p>
+          <a:p>
+            <a:r>
+              <a:rPr lang="pt-BR" dirty="0" err="1"/>
+              <a:t>centralized</a:t>
+            </a:r>
+            <a:r>
+              <a:rPr lang="pt-BR" dirty="0"/>
+              <a:t> server</a:t>
+            </a:r>
+          </a:p>
+          <a:p>
+            <a:r>
+              <a:rPr lang="en-US" dirty="0"/>
+              <a:t>all cars needed to update the central server</a:t>
             </a:r>
             <a:r>
               <a:rPr lang="pt-BR" dirty="0"/>
               <a:t> </a:t>
             </a:r>
+          </a:p>
+          <a:p>
+            <a:r>
+              <a:rPr lang="en-US" dirty="0"/>
+              <a:t>packet loss</a:t>
+            </a:r>
+          </a:p>
+          <a:p>
+            <a:r>
+              <a:rPr lang="en-US" dirty="0"/>
+              <a:t>poor communication</a:t>
+            </a:r>
+          </a:p>
+          <a:p>
+            <a:r>
+              <a:rPr lang="en-US" dirty="0"/>
+              <a:t>High latency</a:t>
+            </a:r>
+          </a:p>
+          <a:p>
+            <a:r>
+              <a:rPr lang="en-US" dirty="0"/>
+              <a:t>energy overheads</a:t>
+            </a:r>
+          </a:p>
+          <a:p>
+            <a:r>
+              <a:rPr lang="en-US" dirty="0"/>
+              <a:t>delay in propagating emergency messages</a:t>
+            </a:r>
+          </a:p>
+          <a:p>
             <a:r>
               <a:rPr lang="pt-BR" dirty="0" err="1"/>
-              <a:t>transportation</a:t>
+              <a:t>repeated</a:t>
             </a:r>
             <a:r>
               <a:rPr lang="pt-BR" dirty="0"/>
-              <a:t> systems (ITS)</a:t>
-            </a:r>
-          </a:p>
-          <a:p>
-            <a:r>
-              <a:rPr lang="pt-BR" dirty="0"/>
-              <a:t>Active communication </a:t>
-            </a:r>
-          </a:p>
-          <a:p>
-            <a:r>
-              <a:rPr lang="pt-BR" dirty="0"/>
-              <a:t>Mobile communication </a:t>
-            </a:r>
-            <a:r>
-              <a:rPr lang="en-US" dirty="0"/>
-              <a:t>between vehicles and other networks</a:t>
-            </a:r>
-          </a:p>
-          <a:p>
-            <a:endParaRPr lang="en-US" dirty="0"/>
-          </a:p>
-          <a:p>
+              <a:t> </a:t>
+            </a:r>
+            <a:r>
+              <a:rPr lang="pt-BR" dirty="0" err="1"/>
+              <a:t>packages</a:t>
+            </a:r>
             <a:endParaRPr lang="pt-BR" dirty="0"/>
           </a:p>
         </p:txBody>
@@ -7226,7 +7968,7 @@
     </p:spTree>
     <p:extLst>
       <p:ext uri="{BB962C8B-B14F-4D97-AF65-F5344CB8AC3E}">
-        <p14:creationId xmlns:p14="http://schemas.microsoft.com/office/powerpoint/2010/main" val="2346159204"/>
+        <p14:creationId xmlns:p14="http://schemas.microsoft.com/office/powerpoint/2010/main" val="1467851287"/>
       </p:ext>
     </p:extLst>
   </p:cSld>
@@ -7236,7 +7978,7 @@
 </p:sld>
 </file>
 
-<file path=ppt/slides/slide5.xml><?xml version="1.0" encoding="utf-8"?>
+<file path=ppt/slides/slide8.xml><?xml version="1.0" encoding="utf-8"?>
 <p:sld xmlns:a="http://schemas.openxmlformats.org/drawingml/2006/main" xmlns:r="http://schemas.openxmlformats.org/officeDocument/2006/relationships" xmlns:p="http://schemas.openxmlformats.org/presentationml/2006/main">
   <p:cSld>
     <p:spTree>
@@ -7280,29 +8022,14 @@
           <a:lstStyle/>
           <a:p>
             <a:r>
+              <a:rPr lang="pt-BR" dirty="0"/>
+              <a:t>fog </a:t>
+            </a:r>
+            <a:r>
               <a:rPr lang="pt-BR" dirty="0" err="1"/>
-              <a:t>IoV</a:t>
-            </a:r>
-            <a:r>
-              <a:rPr lang="pt-BR" dirty="0"/>
-              <a:t> (Internet </a:t>
-            </a:r>
-            <a:r>
-              <a:rPr lang="pt-BR" dirty="0" err="1"/>
-              <a:t>of</a:t>
-            </a:r>
-            <a:r>
-              <a:rPr lang="pt-BR" dirty="0"/>
-              <a:t> </a:t>
-            </a:r>
-            <a:r>
-              <a:rPr lang="pt-BR" dirty="0" err="1"/>
-              <a:t>Vehicles</a:t>
-            </a:r>
-            <a:r>
-              <a:rPr lang="pt-BR" dirty="0"/>
-              <a:t>)</a:t>
-            </a:r>
+              <a:t>computing</a:t>
+            </a:r>
+            <a:endParaRPr lang="pt-BR" dirty="0"/>
           </a:p>
         </p:txBody>
       </p:sp>
@@ -7333,102 +8060,29 @@
           <a:lstStyle/>
           <a:p>
             <a:r>
-              <a:rPr lang="pt-BR" sz="3000" dirty="0" err="1"/>
-              <a:t>Applications</a:t>
-            </a:r>
-            <a:r>
-              <a:rPr lang="pt-BR" sz="3000" dirty="0"/>
-              <a:t>:</a:t>
-            </a:r>
-          </a:p>
-          <a:p>
-            <a:pPr marL="0" indent="0">
-              <a:buNone/>
-            </a:pPr>
+              <a:rPr lang="fr-FR" dirty="0"/>
+              <a:t>energy efficient message dissemination (E²MD)</a:t>
+            </a:r>
+          </a:p>
+          <a:p>
             <a:r>
               <a:rPr lang="pt-BR" dirty="0"/>
-              <a:t>- S</a:t>
-            </a:r>
+              <a:t>local server</a:t>
+            </a:r>
+            <a:endParaRPr lang="fr-FR" dirty="0"/>
+          </a:p>
+          <a:p>
             <a:r>
               <a:rPr lang="en-US" dirty="0"/>
-              <a:t>mart traffic management</a:t>
-            </a:r>
-          </a:p>
-          <a:p>
-            <a:pPr marL="0" indent="0">
-              <a:buNone/>
-            </a:pPr>
+              <a:t>distributes data and process locally</a:t>
+            </a:r>
+            <a:endParaRPr lang="pt-BR" dirty="0"/>
+          </a:p>
+          <a:p>
             <a:r>
               <a:rPr lang="en-US" dirty="0"/>
-              <a:t>- Mobile crowd sensing</a:t>
-            </a:r>
-          </a:p>
-          <a:p>
-            <a:pPr marL="0" indent="0">
-              <a:buNone/>
-            </a:pPr>
-            <a:r>
-              <a:rPr lang="en-US" dirty="0"/>
-              <a:t>- Accident reporting</a:t>
-            </a:r>
-          </a:p>
-          <a:p>
-            <a:pPr marL="0" indent="0">
-              <a:buNone/>
-            </a:pPr>
-            <a:r>
-              <a:rPr lang="en-US" dirty="0"/>
-              <a:t>- Weather alerts</a:t>
-            </a:r>
-          </a:p>
-          <a:p>
-            <a:pPr marL="0" indent="0">
-              <a:buNone/>
-            </a:pPr>
-            <a:r>
-              <a:rPr lang="en-US" dirty="0"/>
-              <a:t>- Monitoring</a:t>
-            </a:r>
-          </a:p>
-          <a:p>
-            <a:pPr marL="0" indent="0">
-              <a:buNone/>
-            </a:pPr>
-            <a:r>
-              <a:rPr lang="en-US" dirty="0"/>
-              <a:t>- Parking alerts</a:t>
-            </a:r>
-          </a:p>
-          <a:p>
-            <a:pPr marL="0" indent="0">
-              <a:buNone/>
-            </a:pPr>
-            <a:r>
-              <a:rPr lang="en-US" dirty="0"/>
-              <a:t>- Audio/video streaming in vehicles</a:t>
-            </a:r>
-          </a:p>
-          <a:p>
-            <a:pPr>
-              <a:buFontTx/>
-              <a:buChar char="-"/>
-            </a:pPr>
-            <a:r>
-              <a:rPr lang="en-US" dirty="0"/>
-              <a:t>Points of interest (Marts, Fuel Station, Restaurants)</a:t>
-            </a:r>
-          </a:p>
-          <a:p>
-            <a:pPr>
-              <a:buFontTx/>
-              <a:buChar char="-"/>
-            </a:pPr>
-            <a:r>
-              <a:rPr lang="en-US" dirty="0"/>
-              <a:t>E-Health</a:t>
-            </a:r>
-          </a:p>
-          <a:p>
+              <a:t>chooses the most reliable vehicle that has the shortest route</a:t>
+            </a:r>
             <a:endParaRPr lang="pt-BR" dirty="0"/>
           </a:p>
         </p:txBody>
@@ -7508,7 +8162,7 @@
     </p:spTree>
     <p:extLst>
       <p:ext uri="{BB962C8B-B14F-4D97-AF65-F5344CB8AC3E}">
-        <p14:creationId xmlns:p14="http://schemas.microsoft.com/office/powerpoint/2010/main" val="2675619478"/>
+        <p14:creationId xmlns:p14="http://schemas.microsoft.com/office/powerpoint/2010/main" val="921165810"/>
       </p:ext>
     </p:extLst>
   </p:cSld>
@@ -7518,7 +8172,7 @@
 </p:sld>
 </file>
 
-<file path=ppt/slides/slide6.xml><?xml version="1.0" encoding="utf-8"?>
+<file path=ppt/slides/slide9.xml><?xml version="1.0" encoding="utf-8"?>
 <p:sld xmlns:a="http://schemas.openxmlformats.org/drawingml/2006/main" xmlns:r="http://schemas.openxmlformats.org/officeDocument/2006/relationships" xmlns:p="http://schemas.openxmlformats.org/presentationml/2006/main">
   <p:cSld>
     <p:spTree>
@@ -7563,7 +8217,23 @@
           <a:p>
             <a:r>
               <a:rPr lang="pt-BR" dirty="0" err="1"/>
-              <a:t>Motivation</a:t>
+              <a:t>problem</a:t>
+            </a:r>
+            <a:r>
+              <a:rPr lang="pt-BR" dirty="0"/>
+              <a:t> </a:t>
+            </a:r>
+            <a:r>
+              <a:rPr lang="pt-BR" dirty="0" err="1"/>
+              <a:t>solving</a:t>
+            </a:r>
+            <a:r>
+              <a:rPr lang="pt-BR" dirty="0"/>
+              <a:t> </a:t>
+            </a:r>
+            <a:r>
+              <a:rPr lang="pt-BR" dirty="0" err="1"/>
+              <a:t>schemes</a:t>
             </a:r>
             <a:endParaRPr lang="pt-BR" dirty="0"/>
           </a:p>
@@ -7596,36 +8266,74 @@
           <a:lstStyle/>
           <a:p>
             <a:r>
-              <a:rPr lang="en-US" dirty="0"/>
-              <a:t>congestion of </a:t>
-            </a:r>
-            <a:r>
-              <a:rPr lang="en-US" dirty="0" err="1"/>
-              <a:t>datas</a:t>
-            </a:r>
-            <a:endParaRPr lang="en-US" dirty="0"/>
-          </a:p>
-          <a:p>
-            <a:r>
-              <a:rPr lang="en-US" dirty="0"/>
-              <a:t>increasing demand of vehicles for wireless applications</a:t>
-            </a:r>
-          </a:p>
-          <a:p>
+              <a:rPr lang="pt-BR" dirty="0"/>
+              <a:t>Bandwidth </a:t>
+            </a:r>
             <a:r>
               <a:rPr lang="pt-BR" dirty="0" err="1"/>
-              <a:t>centralized</a:t>
+              <a:t>control‑based</a:t>
             </a:r>
             <a:r>
               <a:rPr lang="pt-BR" dirty="0"/>
-              <a:t> server</a:t>
-            </a:r>
-            <a:endParaRPr lang="en-US" dirty="0"/>
-          </a:p>
-          <a:p>
-            <a:r>
-              <a:rPr lang="en-US" dirty="0"/>
-              <a:t>Message storm</a:t>
+              <a:t> </a:t>
+            </a:r>
+            <a:r>
+              <a:rPr lang="pt-BR" dirty="0" err="1"/>
+              <a:t>schemes</a:t>
+            </a:r>
+            <a:endParaRPr lang="pt-BR" dirty="0"/>
+          </a:p>
+          <a:p>
+            <a:r>
+              <a:rPr lang="pt-BR" dirty="0" err="1"/>
+              <a:t>Transmission</a:t>
+            </a:r>
+            <a:r>
+              <a:rPr lang="pt-BR" dirty="0"/>
+              <a:t> </a:t>
+            </a:r>
+            <a:r>
+              <a:rPr lang="pt-BR" dirty="0" err="1"/>
+              <a:t>power</a:t>
+            </a:r>
+            <a:r>
+              <a:rPr lang="pt-BR" dirty="0"/>
+              <a:t> </a:t>
+            </a:r>
+            <a:r>
+              <a:rPr lang="pt-BR" dirty="0" err="1"/>
+              <a:t>based</a:t>
+            </a:r>
+            <a:r>
+              <a:rPr lang="pt-BR" dirty="0"/>
+              <a:t> </a:t>
+            </a:r>
+            <a:r>
+              <a:rPr lang="pt-BR" dirty="0" err="1"/>
+              <a:t>schemes</a:t>
+            </a:r>
+            <a:endParaRPr lang="pt-BR" dirty="0"/>
+          </a:p>
+          <a:p>
+            <a:r>
+              <a:rPr lang="pt-BR" dirty="0" err="1"/>
+              <a:t>Segmentation</a:t>
+            </a:r>
+            <a:r>
+              <a:rPr lang="pt-BR" dirty="0"/>
+              <a:t> </a:t>
+            </a:r>
+            <a:r>
+              <a:rPr lang="pt-BR" dirty="0" err="1"/>
+              <a:t>based</a:t>
+            </a:r>
+            <a:r>
+              <a:rPr lang="pt-BR" dirty="0"/>
+              <a:t> </a:t>
+            </a:r>
+            <a:r>
+              <a:rPr lang="pt-BR"/>
+              <a:t>schemes</a:t>
             </a:r>
             <a:endParaRPr lang="pt-BR" dirty="0"/>
           </a:p>
@@ -7706,7 +8414,7 @@
     </p:spTree>
     <p:extLst>
       <p:ext uri="{BB962C8B-B14F-4D97-AF65-F5344CB8AC3E}">
-        <p14:creationId xmlns:p14="http://schemas.microsoft.com/office/powerpoint/2010/main" val="1467851287"/>
+        <p14:creationId xmlns:p14="http://schemas.microsoft.com/office/powerpoint/2010/main" val="71474449"/>
       </p:ext>
     </p:extLst>
   </p:cSld>

--- a/PPTS/VANET.pptx
+++ b/PPTS/VANET.pptx
@@ -8332,7 +8332,87 @@
               <a:t> </a:t>
             </a:r>
             <a:r>
-              <a:rPr lang="pt-BR"/>
+              <a:rPr lang="pt-BR" dirty="0" err="1"/>
+              <a:t>schemes</a:t>
+            </a:r>
+            <a:endParaRPr lang="pt-BR" dirty="0"/>
+          </a:p>
+          <a:p>
+            <a:r>
+              <a:rPr lang="pt-BR" dirty="0" err="1"/>
+              <a:t>Encryption</a:t>
+            </a:r>
+            <a:r>
+              <a:rPr lang="pt-BR" dirty="0"/>
+              <a:t> </a:t>
+            </a:r>
+            <a:r>
+              <a:rPr lang="pt-BR" dirty="0" err="1"/>
+              <a:t>based</a:t>
+            </a:r>
+            <a:r>
+              <a:rPr lang="pt-BR" dirty="0"/>
+              <a:t> </a:t>
+            </a:r>
+            <a:r>
+              <a:rPr lang="pt-BR" dirty="0" err="1"/>
+              <a:t>schemes</a:t>
+            </a:r>
+            <a:endParaRPr lang="pt-BR" dirty="0"/>
+          </a:p>
+          <a:p>
+            <a:r>
+              <a:rPr lang="pt-BR" dirty="0" err="1"/>
+              <a:t>Integration</a:t>
+            </a:r>
+            <a:r>
+              <a:rPr lang="pt-BR" dirty="0"/>
+              <a:t> </a:t>
+            </a:r>
+            <a:r>
+              <a:rPr lang="pt-BR" dirty="0" err="1"/>
+              <a:t>based</a:t>
+            </a:r>
+            <a:r>
+              <a:rPr lang="pt-BR" dirty="0"/>
+              <a:t> </a:t>
+            </a:r>
+            <a:r>
+              <a:rPr lang="pt-BR" dirty="0" err="1"/>
+              <a:t>schemes</a:t>
+            </a:r>
+            <a:endParaRPr lang="pt-BR" dirty="0"/>
+          </a:p>
+          <a:p>
+            <a:r>
+              <a:rPr lang="pt-BR" dirty="0"/>
+              <a:t>Position </a:t>
+            </a:r>
+            <a:r>
+              <a:rPr lang="pt-BR" dirty="0" err="1"/>
+              <a:t>based</a:t>
+            </a:r>
+            <a:r>
+              <a:rPr lang="pt-BR" dirty="0"/>
+              <a:t> </a:t>
+            </a:r>
+            <a:r>
+              <a:rPr lang="pt-BR" dirty="0" err="1"/>
+              <a:t>schemes</a:t>
+            </a:r>
+            <a:endParaRPr lang="pt-BR" dirty="0"/>
+          </a:p>
+          <a:p>
+            <a:r>
+              <a:rPr lang="pt-BR" dirty="0" err="1"/>
+              <a:t>FoG‑oriented</a:t>
+            </a:r>
+            <a:r>
+              <a:rPr lang="pt-BR" dirty="0"/>
+              <a:t> VANET </a:t>
+            </a:r>
+            <a:r>
+              <a:rPr lang="pt-BR" dirty="0" err="1"/>
               <a:t>schemes</a:t>
             </a:r>
             <a:endParaRPr lang="pt-BR" dirty="0"/>
